--- a/ConUHacks NutriBuddy Presentation.pptx
+++ b/ConUHacks NutriBuddy Presentation.pptx
@@ -7,6 +7,10 @@
   <p:sldIdLst>
     <p:sldId id="256" r:id="rId2"/>
     <p:sldId id="257" r:id="rId3"/>
+    <p:sldId id="258" r:id="rId4"/>
+    <p:sldId id="259" r:id="rId5"/>
+    <p:sldId id="260" r:id="rId6"/>
+    <p:sldId id="261" r:id="rId7"/>
   </p:sldIdLst>
   <p:sldSz cx="12192000" cy="6858000"/>
   <p:notesSz cx="6858000" cy="9144000"/>
@@ -105,6 +109,11 @@
       </a:defRPr>
     </a:lvl9pPr>
   </p:defaultTextStyle>
+  <p:extLst>
+    <p:ext uri="{EFAFB233-063F-42B5-8137-9DF3F51BA10A}">
+      <p15:sldGuideLst xmlns:p15="http://schemas.microsoft.com/office/powerpoint/2012/main"/>
+    </p:ext>
+  </p:extLst>
 </p:presentation>
 </file>
 
@@ -150,7 +159,7 @@
           </a:lstStyle>
           <a:p>
             <a:r>
-              <a:rPr lang="en-CA" smtClean="0"/>
+              <a:rPr lang="en-CA"/>
               <a:t>Click to edit Master title style</a:t>
             </a:r>
             <a:endParaRPr lang="en-US"/>
@@ -215,7 +224,7 @@
           </a:lstStyle>
           <a:p>
             <a:r>
-              <a:rPr lang="en-CA" smtClean="0"/>
+              <a:rPr lang="en-CA"/>
               <a:t>Click to edit Master subtitle style</a:t>
             </a:r>
             <a:endParaRPr lang="en-US"/>
@@ -333,7 +342,7 @@
           <a:lstStyle/>
           <a:p>
             <a:r>
-              <a:rPr lang="en-CA" smtClean="0"/>
+              <a:rPr lang="en-CA"/>
               <a:t>Click to edit Master title style</a:t>
             </a:r>
             <a:endParaRPr lang="en-US"/>
@@ -357,35 +366,35 @@
           <a:p>
             <a:pPr lvl="0"/>
             <a:r>
-              <a:rPr lang="en-CA" smtClean="0"/>
+              <a:rPr lang="en-CA"/>
               <a:t>Click to edit Master text styles</a:t>
             </a:r>
           </a:p>
           <a:p>
             <a:pPr lvl="1"/>
             <a:r>
-              <a:rPr lang="en-CA" smtClean="0"/>
+              <a:rPr lang="en-CA"/>
               <a:t>Second level</a:t>
             </a:r>
           </a:p>
           <a:p>
             <a:pPr lvl="2"/>
             <a:r>
-              <a:rPr lang="en-CA" smtClean="0"/>
+              <a:rPr lang="en-CA"/>
               <a:t>Third level</a:t>
             </a:r>
           </a:p>
           <a:p>
             <a:pPr lvl="3"/>
             <a:r>
-              <a:rPr lang="en-CA" smtClean="0"/>
+              <a:rPr lang="en-CA"/>
               <a:t>Fourth level</a:t>
             </a:r>
           </a:p>
           <a:p>
             <a:pPr lvl="4"/>
             <a:r>
-              <a:rPr lang="en-CA" smtClean="0"/>
+              <a:rPr lang="en-CA"/>
               <a:t>Fifth level</a:t>
             </a:r>
             <a:endParaRPr lang="en-US"/>
@@ -508,7 +517,7 @@
           <a:lstStyle/>
           <a:p>
             <a:r>
-              <a:rPr lang="en-CA" smtClean="0"/>
+              <a:rPr lang="en-CA"/>
               <a:t>Click to edit Master title style</a:t>
             </a:r>
             <a:endParaRPr lang="en-US"/>
@@ -537,35 +546,35 @@
           <a:p>
             <a:pPr lvl="0"/>
             <a:r>
-              <a:rPr lang="en-CA" smtClean="0"/>
+              <a:rPr lang="en-CA"/>
               <a:t>Click to edit Master text styles</a:t>
             </a:r>
           </a:p>
           <a:p>
             <a:pPr lvl="1"/>
             <a:r>
-              <a:rPr lang="en-CA" smtClean="0"/>
+              <a:rPr lang="en-CA"/>
               <a:t>Second level</a:t>
             </a:r>
           </a:p>
           <a:p>
             <a:pPr lvl="2"/>
             <a:r>
-              <a:rPr lang="en-CA" smtClean="0"/>
+              <a:rPr lang="en-CA"/>
               <a:t>Third level</a:t>
             </a:r>
           </a:p>
           <a:p>
             <a:pPr lvl="3"/>
             <a:r>
-              <a:rPr lang="en-CA" smtClean="0"/>
+              <a:rPr lang="en-CA"/>
               <a:t>Fourth level</a:t>
             </a:r>
           </a:p>
           <a:p>
             <a:pPr lvl="4"/>
             <a:r>
-              <a:rPr lang="en-CA" smtClean="0"/>
+              <a:rPr lang="en-CA"/>
               <a:t>Fifth level</a:t>
             </a:r>
             <a:endParaRPr lang="en-US"/>
@@ -683,7 +692,7 @@
           <a:lstStyle/>
           <a:p>
             <a:r>
-              <a:rPr lang="en-CA" smtClean="0"/>
+              <a:rPr lang="en-CA"/>
               <a:t>Click to edit Master title style</a:t>
             </a:r>
             <a:endParaRPr lang="en-US"/>
@@ -707,35 +716,35 @@
           <a:p>
             <a:pPr lvl="0"/>
             <a:r>
-              <a:rPr lang="en-CA" smtClean="0"/>
+              <a:rPr lang="en-CA"/>
               <a:t>Click to edit Master text styles</a:t>
             </a:r>
           </a:p>
           <a:p>
             <a:pPr lvl="1"/>
             <a:r>
-              <a:rPr lang="en-CA" smtClean="0"/>
+              <a:rPr lang="en-CA"/>
               <a:t>Second level</a:t>
             </a:r>
           </a:p>
           <a:p>
             <a:pPr lvl="2"/>
             <a:r>
-              <a:rPr lang="en-CA" smtClean="0"/>
+              <a:rPr lang="en-CA"/>
               <a:t>Third level</a:t>
             </a:r>
           </a:p>
           <a:p>
             <a:pPr lvl="3"/>
             <a:r>
-              <a:rPr lang="en-CA" smtClean="0"/>
+              <a:rPr lang="en-CA"/>
               <a:t>Fourth level</a:t>
             </a:r>
           </a:p>
           <a:p>
             <a:pPr lvl="4"/>
             <a:r>
-              <a:rPr lang="en-CA" smtClean="0"/>
+              <a:rPr lang="en-CA"/>
               <a:t>Fifth level</a:t>
             </a:r>
             <a:endParaRPr lang="en-US"/>
@@ -862,7 +871,7 @@
           </a:lstStyle>
           <a:p>
             <a:r>
-              <a:rPr lang="en-CA" smtClean="0"/>
+              <a:rPr lang="en-CA"/>
               <a:t>Click to edit Master title style</a:t>
             </a:r>
             <a:endParaRPr lang="en-US"/>
@@ -982,7 +991,7 @@
           <a:p>
             <a:pPr lvl="0"/>
             <a:r>
-              <a:rPr lang="en-CA" smtClean="0"/>
+              <a:rPr lang="en-CA"/>
               <a:t>Click to edit Master text styles</a:t>
             </a:r>
           </a:p>
@@ -1099,7 +1108,7 @@
           <a:lstStyle/>
           <a:p>
             <a:r>
-              <a:rPr lang="en-CA" smtClean="0"/>
+              <a:rPr lang="en-CA"/>
               <a:t>Click to edit Master title style</a:t>
             </a:r>
             <a:endParaRPr lang="en-US"/>
@@ -1128,35 +1137,35 @@
           <a:p>
             <a:pPr lvl="0"/>
             <a:r>
-              <a:rPr lang="en-CA" smtClean="0"/>
+              <a:rPr lang="en-CA"/>
               <a:t>Click to edit Master text styles</a:t>
             </a:r>
           </a:p>
           <a:p>
             <a:pPr lvl="1"/>
             <a:r>
-              <a:rPr lang="en-CA" smtClean="0"/>
+              <a:rPr lang="en-CA"/>
               <a:t>Second level</a:t>
             </a:r>
           </a:p>
           <a:p>
             <a:pPr lvl="2"/>
             <a:r>
-              <a:rPr lang="en-CA" smtClean="0"/>
+              <a:rPr lang="en-CA"/>
               <a:t>Third level</a:t>
             </a:r>
           </a:p>
           <a:p>
             <a:pPr lvl="3"/>
             <a:r>
-              <a:rPr lang="en-CA" smtClean="0"/>
+              <a:rPr lang="en-CA"/>
               <a:t>Fourth level</a:t>
             </a:r>
           </a:p>
           <a:p>
             <a:pPr lvl="4"/>
             <a:r>
-              <a:rPr lang="en-CA" smtClean="0"/>
+              <a:rPr lang="en-CA"/>
               <a:t>Fifth level</a:t>
             </a:r>
             <a:endParaRPr lang="en-US"/>
@@ -1185,35 +1194,35 @@
           <a:p>
             <a:pPr lvl="0"/>
             <a:r>
-              <a:rPr lang="en-CA" smtClean="0"/>
+              <a:rPr lang="en-CA"/>
               <a:t>Click to edit Master text styles</a:t>
             </a:r>
           </a:p>
           <a:p>
             <a:pPr lvl="1"/>
             <a:r>
-              <a:rPr lang="en-CA" smtClean="0"/>
+              <a:rPr lang="en-CA"/>
               <a:t>Second level</a:t>
             </a:r>
           </a:p>
           <a:p>
             <a:pPr lvl="2"/>
             <a:r>
-              <a:rPr lang="en-CA" smtClean="0"/>
+              <a:rPr lang="en-CA"/>
               <a:t>Third level</a:t>
             </a:r>
           </a:p>
           <a:p>
             <a:pPr lvl="3"/>
             <a:r>
-              <a:rPr lang="en-CA" smtClean="0"/>
+              <a:rPr lang="en-CA"/>
               <a:t>Fourth level</a:t>
             </a:r>
           </a:p>
           <a:p>
             <a:pPr lvl="4"/>
             <a:r>
-              <a:rPr lang="en-CA" smtClean="0"/>
+              <a:rPr lang="en-CA"/>
               <a:t>Fifth level</a:t>
             </a:r>
             <a:endParaRPr lang="en-US"/>
@@ -1336,7 +1345,7 @@
           <a:lstStyle/>
           <a:p>
             <a:r>
-              <a:rPr lang="en-CA" smtClean="0"/>
+              <a:rPr lang="en-CA"/>
               <a:t>Click to edit Master title style</a:t>
             </a:r>
             <a:endParaRPr lang="en-US"/>
@@ -1402,7 +1411,7 @@
           <a:p>
             <a:pPr lvl="0"/>
             <a:r>
-              <a:rPr lang="en-CA" smtClean="0"/>
+              <a:rPr lang="en-CA"/>
               <a:t>Click to edit Master text styles</a:t>
             </a:r>
           </a:p>
@@ -1430,35 +1439,35 @@
           <a:p>
             <a:pPr lvl="0"/>
             <a:r>
-              <a:rPr lang="en-CA" smtClean="0"/>
+              <a:rPr lang="en-CA"/>
               <a:t>Click to edit Master text styles</a:t>
             </a:r>
           </a:p>
           <a:p>
             <a:pPr lvl="1"/>
             <a:r>
-              <a:rPr lang="en-CA" smtClean="0"/>
+              <a:rPr lang="en-CA"/>
               <a:t>Second level</a:t>
             </a:r>
           </a:p>
           <a:p>
             <a:pPr lvl="2"/>
             <a:r>
-              <a:rPr lang="en-CA" smtClean="0"/>
+              <a:rPr lang="en-CA"/>
               <a:t>Third level</a:t>
             </a:r>
           </a:p>
           <a:p>
             <a:pPr lvl="3"/>
             <a:r>
-              <a:rPr lang="en-CA" smtClean="0"/>
+              <a:rPr lang="en-CA"/>
               <a:t>Fourth level</a:t>
             </a:r>
           </a:p>
           <a:p>
             <a:pPr lvl="4"/>
             <a:r>
-              <a:rPr lang="en-CA" smtClean="0"/>
+              <a:rPr lang="en-CA"/>
               <a:t>Fifth level</a:t>
             </a:r>
             <a:endParaRPr lang="en-US"/>
@@ -1524,7 +1533,7 @@
           <a:p>
             <a:pPr lvl="0"/>
             <a:r>
-              <a:rPr lang="en-CA" smtClean="0"/>
+              <a:rPr lang="en-CA"/>
               <a:t>Click to edit Master text styles</a:t>
             </a:r>
           </a:p>
@@ -1552,35 +1561,35 @@
           <a:p>
             <a:pPr lvl="0"/>
             <a:r>
-              <a:rPr lang="en-CA" smtClean="0"/>
+              <a:rPr lang="en-CA"/>
               <a:t>Click to edit Master text styles</a:t>
             </a:r>
           </a:p>
           <a:p>
             <a:pPr lvl="1"/>
             <a:r>
-              <a:rPr lang="en-CA" smtClean="0"/>
+              <a:rPr lang="en-CA"/>
               <a:t>Second level</a:t>
             </a:r>
           </a:p>
           <a:p>
             <a:pPr lvl="2"/>
             <a:r>
-              <a:rPr lang="en-CA" smtClean="0"/>
+              <a:rPr lang="en-CA"/>
               <a:t>Third level</a:t>
             </a:r>
           </a:p>
           <a:p>
             <a:pPr lvl="3"/>
             <a:r>
-              <a:rPr lang="en-CA" smtClean="0"/>
+              <a:rPr lang="en-CA"/>
               <a:t>Fourth level</a:t>
             </a:r>
           </a:p>
           <a:p>
             <a:pPr lvl="4"/>
             <a:r>
-              <a:rPr lang="en-CA" smtClean="0"/>
+              <a:rPr lang="en-CA"/>
               <a:t>Fifth level</a:t>
             </a:r>
             <a:endParaRPr lang="en-US"/>
@@ -1698,7 +1707,7 @@
           <a:lstStyle/>
           <a:p>
             <a:r>
-              <a:rPr lang="en-CA" smtClean="0"/>
+              <a:rPr lang="en-CA"/>
               <a:t>Click to edit Master title style</a:t>
             </a:r>
             <a:endParaRPr lang="en-US"/>
@@ -1920,7 +1929,7 @@
           </a:lstStyle>
           <a:p>
             <a:r>
-              <a:rPr lang="en-CA" smtClean="0"/>
+              <a:rPr lang="en-CA"/>
               <a:t>Click to edit Master title style</a:t>
             </a:r>
             <a:endParaRPr lang="en-US"/>
@@ -1977,35 +1986,35 @@
           <a:p>
             <a:pPr lvl="0"/>
             <a:r>
-              <a:rPr lang="en-CA" smtClean="0"/>
+              <a:rPr lang="en-CA"/>
               <a:t>Click to edit Master text styles</a:t>
             </a:r>
           </a:p>
           <a:p>
             <a:pPr lvl="1"/>
             <a:r>
-              <a:rPr lang="en-CA" smtClean="0"/>
+              <a:rPr lang="en-CA"/>
               <a:t>Second level</a:t>
             </a:r>
           </a:p>
           <a:p>
             <a:pPr lvl="2"/>
             <a:r>
-              <a:rPr lang="en-CA" smtClean="0"/>
+              <a:rPr lang="en-CA"/>
               <a:t>Third level</a:t>
             </a:r>
           </a:p>
           <a:p>
             <a:pPr lvl="3"/>
             <a:r>
-              <a:rPr lang="en-CA" smtClean="0"/>
+              <a:rPr lang="en-CA"/>
               <a:t>Fourth level</a:t>
             </a:r>
           </a:p>
           <a:p>
             <a:pPr lvl="4"/>
             <a:r>
-              <a:rPr lang="en-CA" smtClean="0"/>
+              <a:rPr lang="en-CA"/>
               <a:t>Fifth level</a:t>
             </a:r>
             <a:endParaRPr lang="en-US"/>
@@ -2071,7 +2080,7 @@
           <a:p>
             <a:pPr lvl="0"/>
             <a:r>
-              <a:rPr lang="en-CA" smtClean="0"/>
+              <a:rPr lang="en-CA"/>
               <a:t>Click to edit Master text styles</a:t>
             </a:r>
           </a:p>
@@ -2197,7 +2206,7 @@
           </a:lstStyle>
           <a:p>
             <a:r>
-              <a:rPr lang="en-CA" smtClean="0"/>
+              <a:rPr lang="en-CA"/>
               <a:t>Click to edit Master title style</a:t>
             </a:r>
             <a:endParaRPr lang="en-US"/>
@@ -2324,7 +2333,7 @@
           <a:p>
             <a:pPr lvl="0"/>
             <a:r>
-              <a:rPr lang="en-CA" smtClean="0"/>
+              <a:rPr lang="en-CA"/>
               <a:t>Click to edit Master text styles</a:t>
             </a:r>
           </a:p>
@@ -2456,7 +2465,7 @@
           <a:lstStyle/>
           <a:p>
             <a:r>
-              <a:rPr lang="en-CA" smtClean="0"/>
+              <a:rPr lang="en-CA"/>
               <a:t>Click to edit Master title style</a:t>
             </a:r>
             <a:endParaRPr lang="en-US"/>
@@ -2490,35 +2499,35 @@
           <a:p>
             <a:pPr lvl="0"/>
             <a:r>
-              <a:rPr lang="en-CA" smtClean="0"/>
+              <a:rPr lang="en-CA"/>
               <a:t>Click to edit Master text styles</a:t>
             </a:r>
           </a:p>
           <a:p>
             <a:pPr lvl="1"/>
             <a:r>
-              <a:rPr lang="en-CA" smtClean="0"/>
+              <a:rPr lang="en-CA"/>
               <a:t>Second level</a:t>
             </a:r>
           </a:p>
           <a:p>
             <a:pPr lvl="2"/>
             <a:r>
-              <a:rPr lang="en-CA" smtClean="0"/>
+              <a:rPr lang="en-CA"/>
               <a:t>Third level</a:t>
             </a:r>
           </a:p>
           <a:p>
             <a:pPr lvl="3"/>
             <a:r>
-              <a:rPr lang="en-CA" smtClean="0"/>
+              <a:rPr lang="en-CA"/>
               <a:t>Fourth level</a:t>
             </a:r>
           </a:p>
           <a:p>
             <a:pPr lvl="4"/>
             <a:r>
-              <a:rPr lang="en-CA" smtClean="0"/>
+              <a:rPr lang="en-CA"/>
               <a:t>Fifth level</a:t>
             </a:r>
             <a:endParaRPr lang="en-US"/>
@@ -2995,7 +3004,7 @@
           <a:p>
             <a:pPr algn="l"/>
             <a:r>
-              <a:rPr lang="en-US" dirty="0" err="1" smtClean="0">
+              <a:rPr lang="en-US" dirty="0" err="1">
                 <a:solidFill>
                   <a:schemeClr val="bg1"/>
                 </a:solidFill>
@@ -3040,7 +3049,7 @@
           <a:p>
             <a:pPr algn="l"/>
             <a:r>
-              <a:rPr lang="en-US" sz="2000" dirty="0" smtClean="0">
+              <a:rPr lang="en-US" sz="2000" dirty="0">
                 <a:solidFill>
                   <a:schemeClr val="bg1"/>
                 </a:solidFill>
@@ -3051,7 +3060,7 @@
               <a:t>Augmented Reality </a:t>
             </a:r>
             <a:r>
-              <a:rPr lang="en-US" sz="2000" dirty="0" err="1" smtClean="0">
+              <a:rPr lang="en-US" sz="2000" dirty="0" err="1">
                 <a:solidFill>
                   <a:schemeClr val="bg1"/>
                 </a:solidFill>
@@ -3062,7 +3071,7 @@
               <a:t>IoT</a:t>
             </a:r>
             <a:r>
-              <a:rPr lang="en-US" sz="2000" dirty="0" smtClean="0">
+              <a:rPr lang="en-US" sz="2000" dirty="0">
                 <a:solidFill>
                   <a:schemeClr val="bg1"/>
                 </a:solidFill>
@@ -3072,14 +3081,6 @@
               </a:rPr>
               <a:t> Gateway for Better Health</a:t>
             </a:r>
-            <a:endParaRPr lang="en-US" sz="2000" dirty="0">
-              <a:solidFill>
-                <a:schemeClr val="bg1"/>
-              </a:solidFill>
-              <a:latin typeface="Hilda" charset="0"/>
-              <a:ea typeface="Hilda" charset="0"/>
-              <a:cs typeface="Hilda" charset="0"/>
-            </a:endParaRPr>
           </a:p>
         </p:txBody>
       </p:sp>
@@ -3117,13 +3118,6 @@
   <p:clrMapOvr>
     <a:masterClrMapping/>
   </p:clrMapOvr>
-  <p:timing>
-    <p:tnLst>
-      <p:par>
-        <p:cTn id="1" dur="indefinite" restart="never" nodeType="tmRoot"/>
-      </p:par>
-    </p:tnLst>
-  </p:timing>
 </p:sld>
 </file>
 
@@ -3307,7 +3301,7 @@
           <a:p>
             <a:pPr algn="l"/>
             <a:r>
-              <a:rPr lang="en-US" dirty="0" smtClean="0">
+              <a:rPr lang="en-US" dirty="0">
                 <a:solidFill>
                   <a:schemeClr val="bg1"/>
                 </a:solidFill>
@@ -3318,7 +3312,7 @@
               <a:t>What is </a:t>
             </a:r>
             <a:r>
-              <a:rPr lang="en-US" dirty="0" err="1" smtClean="0">
+              <a:rPr lang="en-US" dirty="0" err="1">
                 <a:solidFill>
                   <a:schemeClr val="bg1"/>
                 </a:solidFill>
@@ -3329,7 +3323,7 @@
               <a:t>NutriBuddy</a:t>
             </a:r>
             <a:r>
-              <a:rPr lang="en-US" dirty="0" smtClean="0">
+              <a:rPr lang="en-US" dirty="0">
                 <a:solidFill>
                   <a:schemeClr val="bg1"/>
                 </a:solidFill>
@@ -3339,14 +3333,56 @@
               </a:rPr>
               <a:t>?</a:t>
             </a:r>
-            <a:endParaRPr lang="en-US" dirty="0">
-              <a:solidFill>
-                <a:schemeClr val="bg1"/>
-              </a:solidFill>
-              <a:latin typeface="Hilda" charset="0"/>
-              <a:ea typeface="Hilda" charset="0"/>
-              <a:cs typeface="Hilda" charset="0"/>
-            </a:endParaRPr>
+          </a:p>
+        </p:txBody>
+      </p:sp>
+      <p:sp>
+        <p:nvSpPr>
+          <p:cNvPr id="2" name="TextBox 1">
+            <a:extLst>
+              <a:ext uri="{FF2B5EF4-FFF2-40B4-BE49-F238E27FC236}">
+                <a16:creationId xmlns:a16="http://schemas.microsoft.com/office/drawing/2014/main" id="{DCC3C58A-D80D-CF45-8FC8-299D917F8C9E}"/>
+              </a:ext>
+            </a:extLst>
+          </p:cNvPr>
+          <p:cNvSpPr txBox="1"/>
+          <p:nvPr/>
+        </p:nvSpPr>
+        <p:spPr>
+          <a:xfrm>
+            <a:off x="651164" y="1342822"/>
+            <a:ext cx="6289963" cy="1200329"/>
+          </a:xfrm>
+          <a:prstGeom prst="rect">
+            <a:avLst/>
+          </a:prstGeom>
+          <a:noFill/>
+          <a:ln>
+            <a:noFill/>
+          </a:ln>
+        </p:spPr>
+        <p:txBody>
+          <a:bodyPr wrap="square" rtlCol="0">
+            <a:spAutoFit/>
+          </a:bodyPr>
+          <a:lstStyle/>
+          <a:p>
+            <a:r>
+              <a:rPr lang="en-US" sz="2400" dirty="0" err="1">
+                <a:solidFill>
+                  <a:schemeClr val="bg1"/>
+                </a:solidFill>
+              </a:rPr>
+              <a:t>NutriBuddy</a:t>
+            </a:r>
+            <a:r>
+              <a:rPr lang="en-US" sz="2400" dirty="0">
+                <a:solidFill>
+                  <a:schemeClr val="bg1"/>
+                </a:solidFill>
+              </a:rPr>
+              <a:t> is an app that blocks unhealthy food from peoples vision so they could lead a more focused healthy lifestyle.</a:t>
+            </a:r>
           </a:p>
         </p:txBody>
       </p:sp>
@@ -3560,6 +3596,409 @@
       <p:bldP spid="19" grpId="0"/>
     </p:bldLst>
   </p:timing>
+</p:sld>
+</file>
+
+<file path=ppt/slides/slide3.xml><?xml version="1.0" encoding="utf-8"?>
+<p:sld xmlns:a="http://schemas.openxmlformats.org/drawingml/2006/main" xmlns:r="http://schemas.openxmlformats.org/officeDocument/2006/relationships" xmlns:p="http://schemas.openxmlformats.org/presentationml/2006/main">
+  <p:cSld>
+    <p:spTree>
+      <p:nvGrpSpPr>
+        <p:cNvPr id="1" name=""/>
+        <p:cNvGrpSpPr/>
+        <p:nvPr/>
+      </p:nvGrpSpPr>
+      <p:grpSpPr>
+        <a:xfrm>
+          <a:off x="0" y="0"/>
+          <a:ext cx="0" cy="0"/>
+          <a:chOff x="0" y="0"/>
+          <a:chExt cx="0" cy="0"/>
+        </a:xfrm>
+      </p:grpSpPr>
+      <p:sp>
+        <p:nvSpPr>
+          <p:cNvPr id="2" name="Title 1">
+            <a:extLst>
+              <a:ext uri="{FF2B5EF4-FFF2-40B4-BE49-F238E27FC236}">
+                <a16:creationId xmlns:a16="http://schemas.microsoft.com/office/drawing/2014/main" id="{75F62DCE-F51E-A044-8F85-5CFD952106F9}"/>
+              </a:ext>
+            </a:extLst>
+          </p:cNvPr>
+          <p:cNvSpPr>
+            <a:spLocks noGrp="1"/>
+          </p:cNvSpPr>
+          <p:nvPr>
+            <p:ph type="title"/>
+          </p:nvPr>
+        </p:nvSpPr>
+        <p:spPr/>
+        <p:txBody>
+          <a:bodyPr/>
+          <a:lstStyle/>
+          <a:p>
+            <a:r>
+              <a:rPr lang="en-US" dirty="0"/>
+              <a:t>System Architecture</a:t>
+            </a:r>
+          </a:p>
+        </p:txBody>
+      </p:sp>
+      <p:sp>
+        <p:nvSpPr>
+          <p:cNvPr id="3" name="Content Placeholder 2">
+            <a:extLst>
+              <a:ext uri="{FF2B5EF4-FFF2-40B4-BE49-F238E27FC236}">
+                <a16:creationId xmlns:a16="http://schemas.microsoft.com/office/drawing/2014/main" id="{0CD7EEDB-9BDA-0942-91E1-BAC8421FA0EF}"/>
+              </a:ext>
+            </a:extLst>
+          </p:cNvPr>
+          <p:cNvSpPr>
+            <a:spLocks noGrp="1"/>
+          </p:cNvSpPr>
+          <p:nvPr>
+            <p:ph idx="1"/>
+          </p:nvPr>
+        </p:nvSpPr>
+        <p:spPr/>
+        <p:txBody>
+          <a:bodyPr/>
+          <a:lstStyle/>
+          <a:p>
+            <a:r>
+              <a:rPr lang="en-US" dirty="0"/>
+              <a:t>Android Front End for End Users</a:t>
+            </a:r>
+          </a:p>
+          <a:p>
+            <a:r>
+              <a:rPr lang="en-US" dirty="0"/>
+              <a:t>Snapdragon Server as Backend</a:t>
+            </a:r>
+          </a:p>
+          <a:p>
+            <a:r>
+              <a:rPr lang="en-US" dirty="0"/>
+              <a:t>IBM Watson API for Image processing</a:t>
+            </a:r>
+          </a:p>
+        </p:txBody>
+      </p:sp>
+    </p:spTree>
+    <p:extLst>
+      <p:ext uri="{BB962C8B-B14F-4D97-AF65-F5344CB8AC3E}">
+        <p14:creationId xmlns:p14="http://schemas.microsoft.com/office/powerpoint/2010/main" val="1289399422"/>
+      </p:ext>
+    </p:extLst>
+  </p:cSld>
+  <p:clrMapOvr>
+    <a:masterClrMapping/>
+  </p:clrMapOvr>
+</p:sld>
+</file>
+
+<file path=ppt/slides/slide4.xml><?xml version="1.0" encoding="utf-8"?>
+<p:sld xmlns:a="http://schemas.openxmlformats.org/drawingml/2006/main" xmlns:r="http://schemas.openxmlformats.org/officeDocument/2006/relationships" xmlns:p="http://schemas.openxmlformats.org/presentationml/2006/main">
+  <p:cSld>
+    <p:spTree>
+      <p:nvGrpSpPr>
+        <p:cNvPr id="1" name=""/>
+        <p:cNvGrpSpPr/>
+        <p:nvPr/>
+      </p:nvGrpSpPr>
+      <p:grpSpPr>
+        <a:xfrm>
+          <a:off x="0" y="0"/>
+          <a:ext cx="0" cy="0"/>
+          <a:chOff x="0" y="0"/>
+          <a:chExt cx="0" cy="0"/>
+        </a:xfrm>
+      </p:grpSpPr>
+      <p:sp>
+        <p:nvSpPr>
+          <p:cNvPr id="2" name="Title 1">
+            <a:extLst>
+              <a:ext uri="{FF2B5EF4-FFF2-40B4-BE49-F238E27FC236}">
+                <a16:creationId xmlns:a16="http://schemas.microsoft.com/office/drawing/2014/main" id="{5E058449-4A5A-1749-BE70-977027EAFAD1}"/>
+              </a:ext>
+            </a:extLst>
+          </p:cNvPr>
+          <p:cNvSpPr>
+            <a:spLocks noGrp="1"/>
+          </p:cNvSpPr>
+          <p:nvPr>
+            <p:ph type="title"/>
+          </p:nvPr>
+        </p:nvSpPr>
+        <p:spPr/>
+        <p:txBody>
+          <a:bodyPr/>
+          <a:lstStyle/>
+          <a:p>
+            <a:r>
+              <a:rPr lang="en-US" dirty="0"/>
+              <a:t>Android Front End</a:t>
+            </a:r>
+          </a:p>
+        </p:txBody>
+      </p:sp>
+      <p:sp>
+        <p:nvSpPr>
+          <p:cNvPr id="3" name="Content Placeholder 2">
+            <a:extLst>
+              <a:ext uri="{FF2B5EF4-FFF2-40B4-BE49-F238E27FC236}">
+                <a16:creationId xmlns:a16="http://schemas.microsoft.com/office/drawing/2014/main" id="{F2567FE3-6643-0546-8CA8-79699F19D7D1}"/>
+              </a:ext>
+            </a:extLst>
+          </p:cNvPr>
+          <p:cNvSpPr>
+            <a:spLocks noGrp="1"/>
+          </p:cNvSpPr>
+          <p:nvPr>
+            <p:ph idx="1"/>
+          </p:nvPr>
+        </p:nvSpPr>
+        <p:spPr/>
+        <p:txBody>
+          <a:bodyPr/>
+          <a:lstStyle/>
+          <a:p>
+            <a:r>
+              <a:rPr lang="en-US" dirty="0" err="1"/>
+              <a:t>Kotlin</a:t>
+            </a:r>
+            <a:r>
+              <a:rPr lang="en-US" dirty="0"/>
+              <a:t> Programming Used</a:t>
+            </a:r>
+          </a:p>
+          <a:p>
+            <a:r>
+              <a:rPr lang="en-US" dirty="0"/>
+              <a:t>Two </a:t>
+            </a:r>
+            <a:r>
+              <a:rPr lang="en-US" dirty="0" err="1"/>
+              <a:t>Activies</a:t>
+            </a:r>
+            <a:endParaRPr lang="en-US" dirty="0"/>
+          </a:p>
+          <a:p>
+            <a:r>
+              <a:rPr lang="en-US" dirty="0"/>
+              <a:t>Talk to a Server</a:t>
+            </a:r>
+          </a:p>
+        </p:txBody>
+      </p:sp>
+    </p:spTree>
+    <p:extLst>
+      <p:ext uri="{BB962C8B-B14F-4D97-AF65-F5344CB8AC3E}">
+        <p14:creationId xmlns:p14="http://schemas.microsoft.com/office/powerpoint/2010/main" val="3861013102"/>
+      </p:ext>
+    </p:extLst>
+  </p:cSld>
+  <p:clrMapOvr>
+    <a:masterClrMapping/>
+  </p:clrMapOvr>
+</p:sld>
+</file>
+
+<file path=ppt/slides/slide5.xml><?xml version="1.0" encoding="utf-8"?>
+<p:sld xmlns:a="http://schemas.openxmlformats.org/drawingml/2006/main" xmlns:r="http://schemas.openxmlformats.org/officeDocument/2006/relationships" xmlns:p="http://schemas.openxmlformats.org/presentationml/2006/main">
+  <p:cSld>
+    <p:spTree>
+      <p:nvGrpSpPr>
+        <p:cNvPr id="1" name=""/>
+        <p:cNvGrpSpPr/>
+        <p:nvPr/>
+      </p:nvGrpSpPr>
+      <p:grpSpPr>
+        <a:xfrm>
+          <a:off x="0" y="0"/>
+          <a:ext cx="0" cy="0"/>
+          <a:chOff x="0" y="0"/>
+          <a:chExt cx="0" cy="0"/>
+        </a:xfrm>
+      </p:grpSpPr>
+      <p:sp>
+        <p:nvSpPr>
+          <p:cNvPr id="2" name="Title 1">
+            <a:extLst>
+              <a:ext uri="{FF2B5EF4-FFF2-40B4-BE49-F238E27FC236}">
+                <a16:creationId xmlns:a16="http://schemas.microsoft.com/office/drawing/2014/main" id="{C1FDDBB2-65E9-A546-A8BD-F223F66FE5C4}"/>
+              </a:ext>
+            </a:extLst>
+          </p:cNvPr>
+          <p:cNvSpPr>
+            <a:spLocks noGrp="1"/>
+          </p:cNvSpPr>
+          <p:nvPr>
+            <p:ph type="title"/>
+          </p:nvPr>
+        </p:nvSpPr>
+        <p:spPr/>
+        <p:txBody>
+          <a:bodyPr/>
+          <a:lstStyle/>
+          <a:p>
+            <a:r>
+              <a:rPr lang="en-US" dirty="0"/>
+              <a:t>Linux Server	</a:t>
+            </a:r>
+          </a:p>
+        </p:txBody>
+      </p:sp>
+      <p:sp>
+        <p:nvSpPr>
+          <p:cNvPr id="3" name="Content Placeholder 2">
+            <a:extLst>
+              <a:ext uri="{FF2B5EF4-FFF2-40B4-BE49-F238E27FC236}">
+                <a16:creationId xmlns:a16="http://schemas.microsoft.com/office/drawing/2014/main" id="{7E3A3DCD-FC69-7E49-9CB6-4353241E7481}"/>
+              </a:ext>
+            </a:extLst>
+          </p:cNvPr>
+          <p:cNvSpPr>
+            <a:spLocks noGrp="1"/>
+          </p:cNvSpPr>
+          <p:nvPr>
+            <p:ph idx="1"/>
+          </p:nvPr>
+        </p:nvSpPr>
+        <p:spPr/>
+        <p:txBody>
+          <a:bodyPr/>
+          <a:lstStyle/>
+          <a:p>
+            <a:r>
+              <a:rPr lang="en-US" dirty="0"/>
+              <a:t>Running on a Snapdragon Processor</a:t>
+            </a:r>
+          </a:p>
+          <a:p>
+            <a:r>
+              <a:rPr lang="en-US" dirty="0"/>
+              <a:t>Runs Programs and Serves App</a:t>
+            </a:r>
+          </a:p>
+          <a:p>
+            <a:r>
+              <a:rPr lang="en-US" dirty="0"/>
+              <a:t>Has Docker and connects to IBM</a:t>
+            </a:r>
+          </a:p>
+          <a:p>
+            <a:endParaRPr lang="en-US" dirty="0"/>
+          </a:p>
+        </p:txBody>
+      </p:sp>
+    </p:spTree>
+    <p:extLst>
+      <p:ext uri="{BB962C8B-B14F-4D97-AF65-F5344CB8AC3E}">
+        <p14:creationId xmlns:p14="http://schemas.microsoft.com/office/powerpoint/2010/main" val="2798970826"/>
+      </p:ext>
+    </p:extLst>
+  </p:cSld>
+  <p:clrMapOvr>
+    <a:masterClrMapping/>
+  </p:clrMapOvr>
+</p:sld>
+</file>
+
+<file path=ppt/slides/slide6.xml><?xml version="1.0" encoding="utf-8"?>
+<p:sld xmlns:a="http://schemas.openxmlformats.org/drawingml/2006/main" xmlns:r="http://schemas.openxmlformats.org/officeDocument/2006/relationships" xmlns:p="http://schemas.openxmlformats.org/presentationml/2006/main">
+  <p:cSld>
+    <p:spTree>
+      <p:nvGrpSpPr>
+        <p:cNvPr id="1" name=""/>
+        <p:cNvGrpSpPr/>
+        <p:nvPr/>
+      </p:nvGrpSpPr>
+      <p:grpSpPr>
+        <a:xfrm>
+          <a:off x="0" y="0"/>
+          <a:ext cx="0" cy="0"/>
+          <a:chOff x="0" y="0"/>
+          <a:chExt cx="0" cy="0"/>
+        </a:xfrm>
+      </p:grpSpPr>
+      <p:sp>
+        <p:nvSpPr>
+          <p:cNvPr id="2" name="Title 1">
+            <a:extLst>
+              <a:ext uri="{FF2B5EF4-FFF2-40B4-BE49-F238E27FC236}">
+                <a16:creationId xmlns:a16="http://schemas.microsoft.com/office/drawing/2014/main" id="{C561EFA6-BD95-564B-80BF-19BBC877512A}"/>
+              </a:ext>
+            </a:extLst>
+          </p:cNvPr>
+          <p:cNvSpPr>
+            <a:spLocks noGrp="1"/>
+          </p:cNvSpPr>
+          <p:nvPr>
+            <p:ph type="title"/>
+          </p:nvPr>
+        </p:nvSpPr>
+        <p:spPr/>
+        <p:txBody>
+          <a:bodyPr/>
+          <a:lstStyle/>
+          <a:p>
+            <a:r>
+              <a:rPr lang="en-US" dirty="0"/>
+              <a:t>IBM Watson</a:t>
+            </a:r>
+          </a:p>
+        </p:txBody>
+      </p:sp>
+      <p:sp>
+        <p:nvSpPr>
+          <p:cNvPr id="3" name="Content Placeholder 2">
+            <a:extLst>
+              <a:ext uri="{FF2B5EF4-FFF2-40B4-BE49-F238E27FC236}">
+                <a16:creationId xmlns:a16="http://schemas.microsoft.com/office/drawing/2014/main" id="{B8CCE451-C1F7-1C41-9A75-CF8D767A890C}"/>
+              </a:ext>
+            </a:extLst>
+          </p:cNvPr>
+          <p:cNvSpPr>
+            <a:spLocks noGrp="1"/>
+          </p:cNvSpPr>
+          <p:nvPr>
+            <p:ph idx="1"/>
+          </p:nvPr>
+        </p:nvSpPr>
+        <p:spPr/>
+        <p:txBody>
+          <a:bodyPr/>
+          <a:lstStyle/>
+          <a:p>
+            <a:r>
+              <a:rPr lang="en-US" dirty="0"/>
+              <a:t>Handles Image Recognition</a:t>
+            </a:r>
+          </a:p>
+          <a:p>
+            <a:r>
+              <a:rPr lang="en-US" dirty="0"/>
+              <a:t>Trained for our </a:t>
+            </a:r>
+            <a:r>
+              <a:rPr lang="en-US"/>
+              <a:t>Food Recognition</a:t>
+            </a:r>
+            <a:endParaRPr lang="en-US" dirty="0"/>
+          </a:p>
+        </p:txBody>
+      </p:sp>
+    </p:spTree>
+    <p:extLst>
+      <p:ext uri="{BB962C8B-B14F-4D97-AF65-F5344CB8AC3E}">
+        <p14:creationId xmlns:p14="http://schemas.microsoft.com/office/powerpoint/2010/main" val="4180673971"/>
+      </p:ext>
+    </p:extLst>
+  </p:cSld>
+  <p:clrMapOvr>
+    <a:masterClrMapping/>
+  </p:clrMapOvr>
 </p:sld>
 </file>
 
